--- a/src/images/Frac LP Images.pptx
+++ b/src/images/Frac LP Images.pptx
@@ -7,14 +7,17 @@
   <p:sldIdLst>
     <p:sldId id="257" r:id="rId2"/>
     <p:sldId id="259" r:id="rId3"/>
-    <p:sldId id="258" r:id="rId4"/>
-    <p:sldId id="260" r:id="rId5"/>
-    <p:sldId id="263" r:id="rId6"/>
-    <p:sldId id="262" r:id="rId7"/>
-    <p:sldId id="261" r:id="rId8"/>
-    <p:sldId id="264" r:id="rId9"/>
-    <p:sldId id="265" r:id="rId10"/>
-    <p:sldId id="256" r:id="rId11"/>
+    <p:sldId id="266" r:id="rId4"/>
+    <p:sldId id="258" r:id="rId5"/>
+    <p:sldId id="267" r:id="rId6"/>
+    <p:sldId id="260" r:id="rId7"/>
+    <p:sldId id="268" r:id="rId8"/>
+    <p:sldId id="263" r:id="rId9"/>
+    <p:sldId id="262" r:id="rId10"/>
+    <p:sldId id="261" r:id="rId11"/>
+    <p:sldId id="264" r:id="rId12"/>
+    <p:sldId id="265" r:id="rId13"/>
+    <p:sldId id="256" r:id="rId14"/>
   </p:sldIdLst>
   <p:sldSz cx="12192000" cy="6858000"/>
   <p:notesSz cx="6858000" cy="9144000"/>
@@ -268,7 +271,7 @@
           <a:p>
             <a:fld id="{466A7A65-EE58-4E9E-BCA0-84395999005D}" type="datetimeFigureOut">
               <a:rPr lang="en-US" smtClean="0"/>
-              <a:t>11/16/2021</a:t>
+              <a:t>10/6/22</a:t>
             </a:fld>
             <a:endParaRPr lang="en-US"/>
           </a:p>
@@ -466,7 +469,7 @@
           <a:p>
             <a:fld id="{466A7A65-EE58-4E9E-BCA0-84395999005D}" type="datetimeFigureOut">
               <a:rPr lang="en-US" smtClean="0"/>
-              <a:t>11/16/2021</a:t>
+              <a:t>10/6/22</a:t>
             </a:fld>
             <a:endParaRPr lang="en-US"/>
           </a:p>
@@ -674,7 +677,7 @@
           <a:p>
             <a:fld id="{466A7A65-EE58-4E9E-BCA0-84395999005D}" type="datetimeFigureOut">
               <a:rPr lang="en-US" smtClean="0"/>
-              <a:t>11/16/2021</a:t>
+              <a:t>10/6/22</a:t>
             </a:fld>
             <a:endParaRPr lang="en-US"/>
           </a:p>
@@ -872,7 +875,7 @@
           <a:p>
             <a:fld id="{466A7A65-EE58-4E9E-BCA0-84395999005D}" type="datetimeFigureOut">
               <a:rPr lang="en-US" smtClean="0"/>
-              <a:t>11/16/2021</a:t>
+              <a:t>10/6/22</a:t>
             </a:fld>
             <a:endParaRPr lang="en-US"/>
           </a:p>
@@ -1147,7 +1150,7 @@
           <a:p>
             <a:fld id="{466A7A65-EE58-4E9E-BCA0-84395999005D}" type="datetimeFigureOut">
               <a:rPr lang="en-US" smtClean="0"/>
-              <a:t>11/16/2021</a:t>
+              <a:t>10/6/22</a:t>
             </a:fld>
             <a:endParaRPr lang="en-US"/>
           </a:p>
@@ -1412,7 +1415,7 @@
           <a:p>
             <a:fld id="{466A7A65-EE58-4E9E-BCA0-84395999005D}" type="datetimeFigureOut">
               <a:rPr lang="en-US" smtClean="0"/>
-              <a:t>11/16/2021</a:t>
+              <a:t>10/6/22</a:t>
             </a:fld>
             <a:endParaRPr lang="en-US"/>
           </a:p>
@@ -1824,7 +1827,7 @@
           <a:p>
             <a:fld id="{466A7A65-EE58-4E9E-BCA0-84395999005D}" type="datetimeFigureOut">
               <a:rPr lang="en-US" smtClean="0"/>
-              <a:t>11/16/2021</a:t>
+              <a:t>10/6/22</a:t>
             </a:fld>
             <a:endParaRPr lang="en-US"/>
           </a:p>
@@ -1965,7 +1968,7 @@
           <a:p>
             <a:fld id="{466A7A65-EE58-4E9E-BCA0-84395999005D}" type="datetimeFigureOut">
               <a:rPr lang="en-US" smtClean="0"/>
-              <a:t>11/16/2021</a:t>
+              <a:t>10/6/22</a:t>
             </a:fld>
             <a:endParaRPr lang="en-US"/>
           </a:p>
@@ -2078,7 +2081,7 @@
           <a:p>
             <a:fld id="{466A7A65-EE58-4E9E-BCA0-84395999005D}" type="datetimeFigureOut">
               <a:rPr lang="en-US" smtClean="0"/>
-              <a:t>11/16/2021</a:t>
+              <a:t>10/6/22</a:t>
             </a:fld>
             <a:endParaRPr lang="en-US"/>
           </a:p>
@@ -2389,7 +2392,7 @@
           <a:p>
             <a:fld id="{466A7A65-EE58-4E9E-BCA0-84395999005D}" type="datetimeFigureOut">
               <a:rPr lang="en-US" smtClean="0"/>
-              <a:t>11/16/2021</a:t>
+              <a:t>10/6/22</a:t>
             </a:fld>
             <a:endParaRPr lang="en-US"/>
           </a:p>
@@ -2677,7 +2680,7 @@
           <a:p>
             <a:fld id="{466A7A65-EE58-4E9E-BCA0-84395999005D}" type="datetimeFigureOut">
               <a:rPr lang="en-US" smtClean="0"/>
-              <a:t>11/16/2021</a:t>
+              <a:t>10/6/22</a:t>
             </a:fld>
             <a:endParaRPr lang="en-US"/>
           </a:p>
@@ -2918,7 +2921,7 @@
           <a:p>
             <a:fld id="{466A7A65-EE58-4E9E-BCA0-84395999005D}" type="datetimeFigureOut">
               <a:rPr lang="en-US" smtClean="0"/>
-              <a:t>11/16/2021</a:t>
+              <a:t>10/6/22</a:t>
             </a:fld>
             <a:endParaRPr lang="en-US"/>
           </a:p>
@@ -3466,6 +3469,186 @@
           <a:chExt cx="0" cy="0"/>
         </a:xfrm>
       </p:grpSpPr>
+      <p:pic>
+        <p:nvPicPr>
+          <p:cNvPr id="7" name="Picture 6">
+            <a:extLst>
+              <a:ext uri="{FF2B5EF4-FFF2-40B4-BE49-F238E27FC236}">
+                <a16:creationId xmlns:a16="http://schemas.microsoft.com/office/drawing/2014/main" id="{00000000-0008-0000-1300-000002000000}"/>
+              </a:ext>
+            </a:extLst>
+          </p:cNvPr>
+          <p:cNvPicPr>
+            <a:picLocks noChangeAspect="1"/>
+          </p:cNvPicPr>
+          <p:nvPr/>
+        </p:nvPicPr>
+        <p:blipFill>
+          <a:blip r:embed="rId2"/>
+          <a:stretch>
+            <a:fillRect/>
+          </a:stretch>
+        </p:blipFill>
+        <p:spPr>
+          <a:xfrm>
+            <a:off x="3124200" y="1600200"/>
+            <a:ext cx="5943600" cy="3657600"/>
+          </a:xfrm>
+          <a:prstGeom prst="rect">
+            <a:avLst/>
+          </a:prstGeom>
+        </p:spPr>
+      </p:pic>
+    </p:spTree>
+    <p:extLst>
+      <p:ext uri="{BB962C8B-B14F-4D97-AF65-F5344CB8AC3E}">
+        <p14:creationId xmlns:p14="http://schemas.microsoft.com/office/powerpoint/2010/main" val="2564600346"/>
+      </p:ext>
+    </p:extLst>
+  </p:cSld>
+  <p:clrMapOvr>
+    <a:masterClrMapping/>
+  </p:clrMapOvr>
+</p:sld>
+</file>
+
+<file path=ppt/slides/slide11.xml><?xml version="1.0" encoding="utf-8"?>
+<p:sld xmlns:a="http://schemas.openxmlformats.org/drawingml/2006/main" xmlns:r="http://schemas.openxmlformats.org/officeDocument/2006/relationships" xmlns:p="http://schemas.openxmlformats.org/presentationml/2006/main">
+  <p:cSld>
+    <p:spTree>
+      <p:nvGrpSpPr>
+        <p:cNvPr id="1" name=""/>
+        <p:cNvGrpSpPr/>
+        <p:nvPr/>
+      </p:nvGrpSpPr>
+      <p:grpSpPr>
+        <a:xfrm>
+          <a:off x="0" y="0"/>
+          <a:ext cx="0" cy="0"/>
+          <a:chOff x="0" y="0"/>
+          <a:chExt cx="0" cy="0"/>
+        </a:xfrm>
+      </p:grpSpPr>
+      <p:pic>
+        <p:nvPicPr>
+          <p:cNvPr id="3" name="Picture 2">
+            <a:extLst>
+              <a:ext uri="{FF2B5EF4-FFF2-40B4-BE49-F238E27FC236}">
+                <a16:creationId xmlns:a16="http://schemas.microsoft.com/office/drawing/2014/main" id="{00000000-0008-0000-1400-000002000000}"/>
+              </a:ext>
+            </a:extLst>
+          </p:cNvPr>
+          <p:cNvPicPr>
+            <a:picLocks noChangeAspect="1"/>
+          </p:cNvPicPr>
+          <p:nvPr/>
+        </p:nvPicPr>
+        <p:blipFill>
+          <a:blip r:embed="rId2"/>
+          <a:stretch>
+            <a:fillRect/>
+          </a:stretch>
+        </p:blipFill>
+        <p:spPr>
+          <a:xfrm>
+            <a:off x="3124200" y="1600200"/>
+            <a:ext cx="5943600" cy="3657600"/>
+          </a:xfrm>
+          <a:prstGeom prst="rect">
+            <a:avLst/>
+          </a:prstGeom>
+        </p:spPr>
+      </p:pic>
+    </p:spTree>
+    <p:extLst>
+      <p:ext uri="{BB962C8B-B14F-4D97-AF65-F5344CB8AC3E}">
+        <p14:creationId xmlns:p14="http://schemas.microsoft.com/office/powerpoint/2010/main" val="4012583916"/>
+      </p:ext>
+    </p:extLst>
+  </p:cSld>
+  <p:clrMapOvr>
+    <a:masterClrMapping/>
+  </p:clrMapOvr>
+</p:sld>
+</file>
+
+<file path=ppt/slides/slide12.xml><?xml version="1.0" encoding="utf-8"?>
+<p:sld xmlns:a="http://schemas.openxmlformats.org/drawingml/2006/main" xmlns:r="http://schemas.openxmlformats.org/officeDocument/2006/relationships" xmlns:p="http://schemas.openxmlformats.org/presentationml/2006/main">
+  <p:cSld>
+    <p:spTree>
+      <p:nvGrpSpPr>
+        <p:cNvPr id="1" name=""/>
+        <p:cNvGrpSpPr/>
+        <p:nvPr/>
+      </p:nvGrpSpPr>
+      <p:grpSpPr>
+        <a:xfrm>
+          <a:off x="0" y="0"/>
+          <a:ext cx="0" cy="0"/>
+          <a:chOff x="0" y="0"/>
+          <a:chExt cx="0" cy="0"/>
+        </a:xfrm>
+      </p:grpSpPr>
+      <p:pic>
+        <p:nvPicPr>
+          <p:cNvPr id="2" name="Picture 1">
+            <a:extLst>
+              <a:ext uri="{FF2B5EF4-FFF2-40B4-BE49-F238E27FC236}">
+                <a16:creationId xmlns:a16="http://schemas.microsoft.com/office/drawing/2014/main" id="{00000000-0008-0000-1400-000002000000}"/>
+              </a:ext>
+            </a:extLst>
+          </p:cNvPr>
+          <p:cNvPicPr>
+            <a:picLocks noChangeAspect="1"/>
+          </p:cNvPicPr>
+          <p:nvPr/>
+        </p:nvPicPr>
+        <p:blipFill>
+          <a:blip r:embed="rId2"/>
+          <a:stretch>
+            <a:fillRect/>
+          </a:stretch>
+        </p:blipFill>
+        <p:spPr>
+          <a:xfrm>
+            <a:off x="3124200" y="457200"/>
+            <a:ext cx="5943600" cy="5943600"/>
+          </a:xfrm>
+          <a:prstGeom prst="rect">
+            <a:avLst/>
+          </a:prstGeom>
+        </p:spPr>
+      </p:pic>
+    </p:spTree>
+    <p:extLst>
+      <p:ext uri="{BB962C8B-B14F-4D97-AF65-F5344CB8AC3E}">
+        <p14:creationId xmlns:p14="http://schemas.microsoft.com/office/powerpoint/2010/main" val="2324870896"/>
+      </p:ext>
+    </p:extLst>
+  </p:cSld>
+  <p:clrMapOvr>
+    <a:masterClrMapping/>
+  </p:clrMapOvr>
+</p:sld>
+</file>
+
+<file path=ppt/slides/slide13.xml><?xml version="1.0" encoding="utf-8"?>
+<p:sld xmlns:a="http://schemas.openxmlformats.org/drawingml/2006/main" xmlns:r="http://schemas.openxmlformats.org/officeDocument/2006/relationships" xmlns:p="http://schemas.openxmlformats.org/presentationml/2006/main">
+  <p:cSld>
+    <p:spTree>
+      <p:nvGrpSpPr>
+        <p:cNvPr id="1" name=""/>
+        <p:cNvGrpSpPr/>
+        <p:nvPr/>
+      </p:nvGrpSpPr>
+      <p:grpSpPr>
+        <a:xfrm>
+          <a:off x="0" y="0"/>
+          <a:ext cx="0" cy="0"/>
+          <a:chOff x="0" y="0"/>
+          <a:chExt cx="0" cy="0"/>
+        </a:xfrm>
+      </p:grpSpPr>
       <p:sp>
         <p:nvSpPr>
           <p:cNvPr id="4" name="TextBox 3">
@@ -6511,10 +6694,10 @@
       </p:grpSpPr>
       <p:sp>
         <p:nvSpPr>
-          <p:cNvPr id="2" name="TextBox 1">
-            <a:extLst>
-              <a:ext uri="{FF2B5EF4-FFF2-40B4-BE49-F238E27FC236}">
-                <a16:creationId xmlns:a16="http://schemas.microsoft.com/office/drawing/2014/main" id="{7A3544D6-EF26-4227-B16A-A8F08C9DEE52}"/>
+          <p:cNvPr id="8" name="TextBox 7">
+            <a:extLst>
+              <a:ext uri="{FF2B5EF4-FFF2-40B4-BE49-F238E27FC236}">
+                <a16:creationId xmlns:a16="http://schemas.microsoft.com/office/drawing/2014/main" id="{49977F9A-E08A-4B87-B3BE-7BF9B46BC663}"/>
               </a:ext>
             </a:extLst>
           </p:cNvPr>
@@ -6523,8 +6706,8 @@
         </p:nvSpPr>
         <p:spPr>
           <a:xfrm>
-            <a:off x="101600" y="48381"/>
-            <a:ext cx="2617410" cy="369332"/>
+            <a:off x="1661885" y="2318597"/>
+            <a:ext cx="8868229" cy="523220"/>
           </a:xfrm>
           <a:prstGeom prst="rect">
             <a:avLst/>
@@ -6537,78 +6720,23 @@
           </a:bodyPr>
           <a:lstStyle/>
           <a:p>
-            <a:r>
-              <a:rPr lang="en-US" dirty="0"/>
-              <a:t>Quotient item</a:t>
-            </a:r>
-          </a:p>
-        </p:txBody>
-      </p:sp>
-      <p:sp>
-        <p:nvSpPr>
-          <p:cNvPr id="22" name="TextBox 21">
-            <a:extLst>
-              <a:ext uri="{FF2B5EF4-FFF2-40B4-BE49-F238E27FC236}">
-                <a16:creationId xmlns:a16="http://schemas.microsoft.com/office/drawing/2014/main" id="{88D6640D-1713-41B7-B39A-AD03889828CC}"/>
-              </a:ext>
-            </a:extLst>
-          </p:cNvPr>
-          <p:cNvSpPr txBox="1"/>
-          <p:nvPr/>
-        </p:nvSpPr>
-        <p:spPr>
-          <a:xfrm>
-            <a:off x="1946210" y="2828835"/>
-            <a:ext cx="8333792" cy="1200329"/>
-          </a:xfrm>
-          <a:prstGeom prst="rect">
-            <a:avLst/>
-          </a:prstGeom>
-          <a:noFill/>
-        </p:spPr>
-        <p:txBody>
-          <a:bodyPr wrap="square" rtlCol="0">
-            <a:spAutoFit/>
-          </a:bodyPr>
-          <a:lstStyle/>
-          <a:p>
             <a:pPr algn="ctr"/>
             <a:r>
-              <a:rPr lang="en-US" sz="2400" dirty="0">
+              <a:rPr lang="en-US" sz="2800" dirty="0">
                 <a:latin typeface="Times New Roman" panose="02020603050405020304" pitchFamily="18" charset="0"/>
                 <a:cs typeface="Times New Roman" panose="02020603050405020304" pitchFamily="18" charset="0"/>
               </a:rPr>
-              <a:t>Three friends are sharing two chocolate bars. How could they split </a:t>
-            </a:r>
-          </a:p>
-          <a:p>
-            <a:pPr algn="ctr"/>
-            <a:r>
-              <a:rPr lang="en-US" sz="2400" dirty="0">
-                <a:latin typeface="Times New Roman" panose="02020603050405020304" pitchFamily="18" charset="0"/>
-                <a:cs typeface="Times New Roman" panose="02020603050405020304" pitchFamily="18" charset="0"/>
-              </a:rPr>
-              <a:t>the bars so that each friend gets the same amount of chocolate?</a:t>
-            </a:r>
-          </a:p>
-          <a:p>
-            <a:pPr algn="ctr"/>
-            <a:r>
-              <a:rPr lang="en-US" sz="2400" dirty="0">
-                <a:latin typeface="Times New Roman" panose="02020603050405020304" pitchFamily="18" charset="0"/>
-                <a:cs typeface="Times New Roman" panose="02020603050405020304" pitchFamily="18" charset="0"/>
-              </a:rPr>
-              <a:t> How many bars worth of chocolate does each friend get?</a:t>
-            </a:r>
-          </a:p>
-        </p:txBody>
-      </p:sp>
-      <p:sp>
-        <p:nvSpPr>
-          <p:cNvPr id="26" name="Rectangle: Rounded Corners 25">
-            <a:extLst>
-              <a:ext uri="{FF2B5EF4-FFF2-40B4-BE49-F238E27FC236}">
-                <a16:creationId xmlns:a16="http://schemas.microsoft.com/office/drawing/2014/main" id="{C7A35BD8-2814-4479-B233-8C36ECB64A8E}"/>
+              <a:t>2/5 of the smiley faces are shaded.</a:t>
+            </a:r>
+          </a:p>
+        </p:txBody>
+      </p:sp>
+      <p:sp>
+        <p:nvSpPr>
+          <p:cNvPr id="9" name="Rectangle: Rounded Corners 8">
+            <a:extLst>
+              <a:ext uri="{FF2B5EF4-FFF2-40B4-BE49-F238E27FC236}">
+                <a16:creationId xmlns:a16="http://schemas.microsoft.com/office/drawing/2014/main" id="{D0C28FD1-9144-492B-B5EC-B0C6179B8CEB}"/>
               </a:ext>
             </a:extLst>
           </p:cNvPr>
@@ -6617,8 +6745,8 @@
         </p:nvSpPr>
         <p:spPr>
           <a:xfrm>
-            <a:off x="1892948" y="2773523"/>
-            <a:ext cx="8440316" cy="1310951"/>
+            <a:off x="1809446" y="1823962"/>
+            <a:ext cx="8573105" cy="2385181"/>
           </a:xfrm>
           <a:prstGeom prst="roundRect">
             <a:avLst/>
@@ -6655,10 +6783,49 @@
           </a:p>
         </p:txBody>
       </p:sp>
+      <p:sp>
+        <p:nvSpPr>
+          <p:cNvPr id="10" name="TextBox 9">
+            <a:extLst>
+              <a:ext uri="{FF2B5EF4-FFF2-40B4-BE49-F238E27FC236}">
+                <a16:creationId xmlns:a16="http://schemas.microsoft.com/office/drawing/2014/main" id="{753E9392-A32D-9145-B64F-B8D8910B256E}"/>
+              </a:ext>
+            </a:extLst>
+          </p:cNvPr>
+          <p:cNvSpPr txBox="1"/>
+          <p:nvPr/>
+        </p:nvSpPr>
+        <p:spPr>
+          <a:xfrm>
+            <a:off x="1661885" y="3179425"/>
+            <a:ext cx="8868229" cy="523220"/>
+          </a:xfrm>
+          <a:prstGeom prst="rect">
+            <a:avLst/>
+          </a:prstGeom>
+          <a:noFill/>
+        </p:spPr>
+        <p:txBody>
+          <a:bodyPr wrap="square" rtlCol="0">
+            <a:spAutoFit/>
+          </a:bodyPr>
+          <a:lstStyle/>
+          <a:p>
+            <a:pPr algn="ctr"/>
+            <a:r>
+              <a:rPr lang="en-US" sz="2800" dirty="0">
+                <a:latin typeface="Times New Roman" panose="02020603050405020304" pitchFamily="18" charset="0"/>
+                <a:cs typeface="Times New Roman" panose="02020603050405020304" pitchFamily="18" charset="0"/>
+              </a:rPr>
+              <a:t>About 70% of students are expected to get this item right.</a:t>
+            </a:r>
+          </a:p>
+        </p:txBody>
+      </p:sp>
     </p:spTree>
     <p:extLst>
       <p:ext uri="{BB962C8B-B14F-4D97-AF65-F5344CB8AC3E}">
-        <p14:creationId xmlns:p14="http://schemas.microsoft.com/office/powerpoint/2010/main" val="2016197992"/>
+        <p14:creationId xmlns:p14="http://schemas.microsoft.com/office/powerpoint/2010/main" val="4176680103"/>
       </p:ext>
     </p:extLst>
   </p:cSld>
@@ -6685,42 +6852,12 @@
           <a:chExt cx="0" cy="0"/>
         </a:xfrm>
       </p:grpSpPr>
-      <p:pic>
-        <p:nvPicPr>
-          <p:cNvPr id="16" name="Picture 15">
-            <a:extLst>
-              <a:ext uri="{FF2B5EF4-FFF2-40B4-BE49-F238E27FC236}">
-                <a16:creationId xmlns:a16="http://schemas.microsoft.com/office/drawing/2014/main" id="{E9C7BB80-8F1E-43AD-86E7-95CDF26DE34B}"/>
-              </a:ext>
-            </a:extLst>
-          </p:cNvPr>
-          <p:cNvPicPr>
-            <a:picLocks noChangeAspect="1"/>
-          </p:cNvPicPr>
-          <p:nvPr/>
-        </p:nvPicPr>
-        <p:blipFill>
-          <a:blip r:embed="rId2"/>
-          <a:stretch>
-            <a:fillRect/>
-          </a:stretch>
-        </p:blipFill>
-        <p:spPr>
-          <a:xfrm>
-            <a:off x="3216343" y="3238473"/>
-            <a:ext cx="5472877" cy="190527"/>
-          </a:xfrm>
-          <a:prstGeom prst="rect">
-            <a:avLst/>
-          </a:prstGeom>
-        </p:spPr>
-      </p:pic>
-      <p:sp>
-        <p:nvSpPr>
-          <p:cNvPr id="17" name="TextBox 16">
-            <a:extLst>
-              <a:ext uri="{FF2B5EF4-FFF2-40B4-BE49-F238E27FC236}">
-                <a16:creationId xmlns:a16="http://schemas.microsoft.com/office/drawing/2014/main" id="{AE75DE26-17FA-424D-81B5-8E8BA31C249E}"/>
+      <p:sp>
+        <p:nvSpPr>
+          <p:cNvPr id="2" name="TextBox 1">
+            <a:extLst>
+              <a:ext uri="{FF2B5EF4-FFF2-40B4-BE49-F238E27FC236}">
+                <a16:creationId xmlns:a16="http://schemas.microsoft.com/office/drawing/2014/main" id="{7A3544D6-EF26-4227-B16A-A8F08C9DEE52}"/>
               </a:ext>
             </a:extLst>
           </p:cNvPr>
@@ -6729,8 +6866,8 @@
         </p:nvSpPr>
         <p:spPr>
           <a:xfrm>
-            <a:off x="3662439" y="3429000"/>
-            <a:ext cx="527352" cy="523220"/>
+            <a:off x="101600" y="48381"/>
+            <a:ext cx="2617410" cy="369332"/>
           </a:xfrm>
           <a:prstGeom prst="rect">
             <a:avLst/>
@@ -6743,122 +6880,78 @@
           </a:bodyPr>
           <a:lstStyle/>
           <a:p>
+            <a:r>
+              <a:rPr lang="en-US" dirty="0"/>
+              <a:t>Quotient item</a:t>
+            </a:r>
+          </a:p>
+        </p:txBody>
+      </p:sp>
+      <p:sp>
+        <p:nvSpPr>
+          <p:cNvPr id="22" name="TextBox 21">
+            <a:extLst>
+              <a:ext uri="{FF2B5EF4-FFF2-40B4-BE49-F238E27FC236}">
+                <a16:creationId xmlns:a16="http://schemas.microsoft.com/office/drawing/2014/main" id="{88D6640D-1713-41B7-B39A-AD03889828CC}"/>
+              </a:ext>
+            </a:extLst>
+          </p:cNvPr>
+          <p:cNvSpPr txBox="1"/>
+          <p:nvPr/>
+        </p:nvSpPr>
+        <p:spPr>
+          <a:xfrm>
+            <a:off x="1946210" y="2828835"/>
+            <a:ext cx="8333792" cy="1200329"/>
+          </a:xfrm>
+          <a:prstGeom prst="rect">
+            <a:avLst/>
+          </a:prstGeom>
+          <a:noFill/>
+        </p:spPr>
+        <p:txBody>
+          <a:bodyPr wrap="square" rtlCol="0">
+            <a:spAutoFit/>
+          </a:bodyPr>
+          <a:lstStyle/>
+          <a:p>
             <a:pPr algn="ctr"/>
             <a:r>
-              <a:rPr lang="en-US" sz="2800" dirty="0">
+              <a:rPr lang="en-US" sz="2400" dirty="0">
                 <a:latin typeface="Times New Roman" panose="02020603050405020304" pitchFamily="18" charset="0"/>
                 <a:cs typeface="Times New Roman" panose="02020603050405020304" pitchFamily="18" charset="0"/>
               </a:rPr>
-              <a:t>0</a:t>
-            </a:r>
-          </a:p>
-        </p:txBody>
-      </p:sp>
-      <p:sp>
-        <p:nvSpPr>
-          <p:cNvPr id="18" name="TextBox 17">
-            <a:extLst>
-              <a:ext uri="{FF2B5EF4-FFF2-40B4-BE49-F238E27FC236}">
-                <a16:creationId xmlns:a16="http://schemas.microsoft.com/office/drawing/2014/main" id="{313212FE-C978-4AFC-942F-452810D1B56B}"/>
-              </a:ext>
-            </a:extLst>
-          </p:cNvPr>
-          <p:cNvSpPr txBox="1"/>
-          <p:nvPr/>
-        </p:nvSpPr>
-        <p:spPr>
-          <a:xfrm>
-            <a:off x="4559906" y="3429000"/>
-            <a:ext cx="737808" cy="584775"/>
-          </a:xfrm>
-          <a:prstGeom prst="rect">
-            <a:avLst/>
-          </a:prstGeom>
-          <a:noFill/>
-        </p:spPr>
-        <p:txBody>
-          <a:bodyPr wrap="square" rtlCol="0">
-            <a:spAutoFit/>
-          </a:bodyPr>
-          <a:lstStyle/>
+              <a:t>Three friends are sharing two chocolate bars. How could they split </a:t>
+            </a:r>
+          </a:p>
           <a:p>
             <a:pPr algn="ctr"/>
             <a:r>
-              <a:rPr lang="en-US" sz="3200" dirty="0">
+              <a:rPr lang="en-US" sz="2400" dirty="0">
                 <a:latin typeface="Times New Roman" panose="02020603050405020304" pitchFamily="18" charset="0"/>
                 <a:cs typeface="Times New Roman" panose="02020603050405020304" pitchFamily="18" charset="0"/>
               </a:rPr>
-              <a:t>¼</a:t>
-            </a:r>
-            <a:r>
-              <a:rPr lang="en-US" sz="2800" dirty="0">
+              <a:t>the bars so that each friend gets the same amount of chocolate?</a:t>
+            </a:r>
+          </a:p>
+          <a:p>
+            <a:pPr algn="ctr"/>
+            <a:r>
+              <a:rPr lang="en-US" sz="2400" dirty="0">
                 <a:latin typeface="Times New Roman" panose="02020603050405020304" pitchFamily="18" charset="0"/>
                 <a:cs typeface="Times New Roman" panose="02020603050405020304" pitchFamily="18" charset="0"/>
               </a:rPr>
-              <a:t> </a:t>
-            </a:r>
-          </a:p>
-        </p:txBody>
-      </p:sp>
-      <p:sp>
-        <p:nvSpPr>
-          <p:cNvPr id="19" name="TextBox 18">
-            <a:extLst>
-              <a:ext uri="{FF2B5EF4-FFF2-40B4-BE49-F238E27FC236}">
-                <a16:creationId xmlns:a16="http://schemas.microsoft.com/office/drawing/2014/main" id="{3F91AF87-DB6F-4DEA-81F6-C5D9DF26EB94}"/>
-              </a:ext>
-            </a:extLst>
-          </p:cNvPr>
-          <p:cNvSpPr txBox="1"/>
-          <p:nvPr/>
-        </p:nvSpPr>
-        <p:spPr>
-          <a:xfrm>
-            <a:off x="2708838" y="2453643"/>
-            <a:ext cx="6487886" cy="584775"/>
-          </a:xfrm>
-          <a:prstGeom prst="rect">
-            <a:avLst/>
-          </a:prstGeom>
-          <a:noFill/>
-        </p:spPr>
-        <p:txBody>
-          <a:bodyPr wrap="square" rtlCol="0">
-            <a:spAutoFit/>
-          </a:bodyPr>
-          <a:lstStyle/>
-          <a:p>
-            <a:pPr algn="ctr"/>
-            <a:r>
-              <a:rPr lang="en-US" sz="2800" dirty="0">
-                <a:latin typeface="Times New Roman" panose="02020603050405020304" pitchFamily="18" charset="0"/>
-                <a:cs typeface="Times New Roman" panose="02020603050405020304" pitchFamily="18" charset="0"/>
-              </a:rPr>
-              <a:t>Mark where </a:t>
-            </a:r>
-            <a:r>
-              <a:rPr lang="en-US" sz="3200" dirty="0">
-                <a:latin typeface="Times New Roman" panose="02020603050405020304" pitchFamily="18" charset="0"/>
-                <a:cs typeface="Times New Roman" panose="02020603050405020304" pitchFamily="18" charset="0"/>
-              </a:rPr>
-              <a:t>¾</a:t>
-            </a:r>
-            <a:r>
-              <a:rPr lang="en-US" sz="2800" dirty="0">
-                <a:latin typeface="Times New Roman" panose="02020603050405020304" pitchFamily="18" charset="0"/>
-                <a:cs typeface="Times New Roman" panose="02020603050405020304" pitchFamily="18" charset="0"/>
-              </a:rPr>
-              <a:t> is on the number line below.</a:t>
-            </a:r>
-          </a:p>
-        </p:txBody>
-      </p:sp>
-      <p:sp>
-        <p:nvSpPr>
-          <p:cNvPr id="20" name="Rectangle: Rounded Corners 19">
-            <a:extLst>
-              <a:ext uri="{FF2B5EF4-FFF2-40B4-BE49-F238E27FC236}">
-                <a16:creationId xmlns:a16="http://schemas.microsoft.com/office/drawing/2014/main" id="{C60B5BE8-A585-4CDB-966A-67A35558539B}"/>
+              <a:t> How many bars worth of chocolate does each friend get?</a:t>
+            </a:r>
+          </a:p>
+        </p:txBody>
+      </p:sp>
+      <p:sp>
+        <p:nvSpPr>
+          <p:cNvPr id="26" name="Rectangle: Rounded Corners 25">
+            <a:extLst>
+              <a:ext uri="{FF2B5EF4-FFF2-40B4-BE49-F238E27FC236}">
+                <a16:creationId xmlns:a16="http://schemas.microsoft.com/office/drawing/2014/main" id="{C7A35BD8-2814-4479-B233-8C36ECB64A8E}"/>
               </a:ext>
             </a:extLst>
           </p:cNvPr>
@@ -6867,8 +6960,8 @@
         </p:nvSpPr>
         <p:spPr>
           <a:xfrm>
-            <a:off x="2598057" y="2356153"/>
-            <a:ext cx="6686248" cy="1673980"/>
+            <a:off x="1892948" y="2773523"/>
+            <a:ext cx="8440316" cy="1310951"/>
           </a:xfrm>
           <a:prstGeom prst="roundRect">
             <a:avLst/>
@@ -6908,7 +7001,7 @@
     </p:spTree>
     <p:extLst>
       <p:ext uri="{BB962C8B-B14F-4D97-AF65-F5344CB8AC3E}">
-        <p14:creationId xmlns:p14="http://schemas.microsoft.com/office/powerpoint/2010/main" val="1218176828"/>
+        <p14:creationId xmlns:p14="http://schemas.microsoft.com/office/powerpoint/2010/main" val="2016197992"/>
       </p:ext>
     </p:extLst>
   </p:cSld>
@@ -6940,7 +7033,7 @@
           <p:cNvPr id="2" name="TextBox 1">
             <a:extLst>
               <a:ext uri="{FF2B5EF4-FFF2-40B4-BE49-F238E27FC236}">
-                <a16:creationId xmlns:a16="http://schemas.microsoft.com/office/drawing/2014/main" id="{F011963F-C554-4D57-9E86-6A115A58C8BF}"/>
+                <a16:creationId xmlns:a16="http://schemas.microsoft.com/office/drawing/2014/main" id="{7A3544D6-EF26-4227-B16A-A8F08C9DEE52}"/>
               </a:ext>
             </a:extLst>
           </p:cNvPr>
@@ -6949,8 +7042,8 @@
         </p:nvSpPr>
         <p:spPr>
           <a:xfrm>
-            <a:off x="1843746" y="1851436"/>
-            <a:ext cx="8504507" cy="2308324"/>
+            <a:off x="101600" y="48381"/>
+            <a:ext cx="2617410" cy="369332"/>
           </a:xfrm>
           <a:prstGeom prst="rect">
             <a:avLst/>
@@ -6963,66 +7056,40 @@
           </a:bodyPr>
           <a:lstStyle/>
           <a:p>
-            <a:pPr marL="0" marR="0" algn="ctr">
-              <a:spcBef>
-                <a:spcPts val="0"/>
-              </a:spcBef>
-              <a:spcAft>
-                <a:spcPts val="0"/>
-              </a:spcAft>
-            </a:pPr>
-            <a:r>
-              <a:rPr lang="en-US" sz="2400" dirty="0">
-                <a:effectLst/>
-                <a:latin typeface="Times New Roman" panose="02020603050405020304" pitchFamily="18" charset="0"/>
-                <a:ea typeface="Arial" panose="020B0604020202020204" pitchFamily="34" charset="0"/>
-              </a:rPr>
-              <a:t>Jamie usually makes punch by mixing 2 cups of orange juice with</a:t>
-            </a:r>
-          </a:p>
-          <a:p>
-            <a:pPr marL="0" marR="0" algn="ctr">
-              <a:spcBef>
-                <a:spcPts val="0"/>
-              </a:spcBef>
-              <a:spcAft>
-                <a:spcPts val="0"/>
-              </a:spcAft>
-            </a:pPr>
-            <a:r>
-              <a:rPr lang="en-US" sz="2400" dirty="0">
-                <a:effectLst/>
-                <a:latin typeface="Times New Roman" panose="02020603050405020304" pitchFamily="18" charset="0"/>
-                <a:ea typeface="Arial" panose="020B0604020202020204" pitchFamily="34" charset="0"/>
-              </a:rPr>
-              <a:t> 3 cups of pineapple juice. This time, she wants it to have a stronger orange flavor. Which of the following ratios of orange juice to </a:t>
-            </a:r>
-          </a:p>
-          <a:p>
-            <a:pPr marL="0" marR="0" algn="ctr">
-              <a:spcBef>
-                <a:spcPts val="0"/>
-              </a:spcBef>
-              <a:spcAft>
-                <a:spcPts val="0"/>
-              </a:spcAft>
-            </a:pPr>
-            <a:r>
-              <a:rPr lang="en-US" sz="2400" dirty="0">
-                <a:effectLst/>
-                <a:latin typeface="Times New Roman" panose="02020603050405020304" pitchFamily="18" charset="0"/>
-                <a:ea typeface="Arial" panose="020B0604020202020204" pitchFamily="34" charset="0"/>
-              </a:rPr>
-              <a:t>pineapple juice could she use?</a:t>
-            </a:r>
-          </a:p>
-          <a:p>
-            <a:pPr algn="ctr"/>
-            <a:endParaRPr lang="en-US" sz="2400" dirty="0">
-              <a:latin typeface="Times New Roman" panose="02020603050405020304" pitchFamily="18" charset="0"/>
-              <a:cs typeface="Times New Roman" panose="02020603050405020304" pitchFamily="18" charset="0"/>
-            </a:endParaRPr>
-          </a:p>
+            <a:r>
+              <a:rPr lang="en-US" dirty="0"/>
+              <a:t>Quotient solution</a:t>
+            </a:r>
+          </a:p>
+        </p:txBody>
+      </p:sp>
+      <p:sp>
+        <p:nvSpPr>
+          <p:cNvPr id="22" name="TextBox 21">
+            <a:extLst>
+              <a:ext uri="{FF2B5EF4-FFF2-40B4-BE49-F238E27FC236}">
+                <a16:creationId xmlns:a16="http://schemas.microsoft.com/office/drawing/2014/main" id="{88D6640D-1713-41B7-B39A-AD03889828CC}"/>
+              </a:ext>
+            </a:extLst>
+          </p:cNvPr>
+          <p:cNvSpPr txBox="1"/>
+          <p:nvPr/>
+        </p:nvSpPr>
+        <p:spPr>
+          <a:xfrm>
+            <a:off x="1946210" y="2828835"/>
+            <a:ext cx="8333792" cy="830997"/>
+          </a:xfrm>
+          <a:prstGeom prst="rect">
+            <a:avLst/>
+          </a:prstGeom>
+          <a:noFill/>
+        </p:spPr>
+        <p:txBody>
+          <a:bodyPr wrap="square" rtlCol="0">
+            <a:spAutoFit/>
+          </a:bodyPr>
+          <a:lstStyle/>
           <a:p>
             <a:pPr algn="ctr"/>
             <a:r>
@@ -7030,17 +7097,17 @@
                 <a:latin typeface="Times New Roman" panose="02020603050405020304" pitchFamily="18" charset="0"/>
                 <a:cs typeface="Times New Roman" panose="02020603050405020304" pitchFamily="18" charset="0"/>
               </a:rPr>
-              <a:t>A) 4:6		B) 2:4		C) 4:3</a:t>
-            </a:r>
-          </a:p>
-        </p:txBody>
-      </p:sp>
-      <p:sp>
-        <p:nvSpPr>
-          <p:cNvPr id="3" name="Rectangle: Rounded Corners 2">
-            <a:extLst>
-              <a:ext uri="{FF2B5EF4-FFF2-40B4-BE49-F238E27FC236}">
-                <a16:creationId xmlns:a16="http://schemas.microsoft.com/office/drawing/2014/main" id="{5FE29E4C-E918-437B-98DC-EA40B4996C41}"/>
+              <a:t>The friends can split each bar into three equal pieces. Each friend gets 2/3 of a bar.</a:t>
+            </a:r>
+          </a:p>
+        </p:txBody>
+      </p:sp>
+      <p:sp>
+        <p:nvSpPr>
+          <p:cNvPr id="26" name="Rectangle: Rounded Corners 25">
+            <a:extLst>
+              <a:ext uri="{FF2B5EF4-FFF2-40B4-BE49-F238E27FC236}">
+                <a16:creationId xmlns:a16="http://schemas.microsoft.com/office/drawing/2014/main" id="{C7A35BD8-2814-4479-B233-8C36ECB64A8E}"/>
               </a:ext>
             </a:extLst>
           </p:cNvPr>
@@ -7049,8 +7116,8 @@
         </p:nvSpPr>
         <p:spPr>
           <a:xfrm>
-            <a:off x="1940767" y="1782146"/>
-            <a:ext cx="8407486" cy="2377613"/>
+            <a:off x="1875842" y="2674868"/>
+            <a:ext cx="8440316" cy="1969927"/>
           </a:xfrm>
           <a:prstGeom prst="roundRect">
             <a:avLst/>
@@ -7087,10 +7154,56 @@
           </a:p>
         </p:txBody>
       </p:sp>
+      <p:sp>
+        <p:nvSpPr>
+          <p:cNvPr id="5" name="TextBox 4">
+            <a:extLst>
+              <a:ext uri="{FF2B5EF4-FFF2-40B4-BE49-F238E27FC236}">
+                <a16:creationId xmlns:a16="http://schemas.microsoft.com/office/drawing/2014/main" id="{BC451E55-5595-AF47-904A-C500ACC04BF1}"/>
+              </a:ext>
+            </a:extLst>
+          </p:cNvPr>
+          <p:cNvSpPr txBox="1"/>
+          <p:nvPr/>
+        </p:nvSpPr>
+        <p:spPr>
+          <a:xfrm>
+            <a:off x="1946210" y="3715144"/>
+            <a:ext cx="8333792" cy="461665"/>
+          </a:xfrm>
+          <a:prstGeom prst="rect">
+            <a:avLst/>
+          </a:prstGeom>
+          <a:noFill/>
+        </p:spPr>
+        <p:txBody>
+          <a:bodyPr wrap="square" rtlCol="0">
+            <a:spAutoFit/>
+          </a:bodyPr>
+          <a:lstStyle/>
+          <a:p>
+            <a:pPr algn="ctr"/>
+            <a:r>
+              <a:rPr lang="en-US" sz="2400">
+                <a:latin typeface="Times New Roman" panose="02020603050405020304" pitchFamily="18" charset="0"/>
+                <a:cs typeface="Times New Roman" panose="02020603050405020304" pitchFamily="18" charset="0"/>
+              </a:rPr>
+              <a:t>About 49% </a:t>
+            </a:r>
+            <a:r>
+              <a:rPr lang="en-US" sz="2400" dirty="0">
+                <a:latin typeface="Times New Roman" panose="02020603050405020304" pitchFamily="18" charset="0"/>
+                <a:cs typeface="Times New Roman" panose="02020603050405020304" pitchFamily="18" charset="0"/>
+              </a:rPr>
+              <a:t>of students are expected to get this item right.</a:t>
+            </a:r>
+          </a:p>
+        </p:txBody>
+      </p:sp>
     </p:spTree>
     <p:extLst>
       <p:ext uri="{BB962C8B-B14F-4D97-AF65-F5344CB8AC3E}">
-        <p14:creationId xmlns:p14="http://schemas.microsoft.com/office/powerpoint/2010/main" val="1060031296"/>
+        <p14:creationId xmlns:p14="http://schemas.microsoft.com/office/powerpoint/2010/main" val="4122336063"/>
       </p:ext>
     </p:extLst>
   </p:cSld>
@@ -7117,12 +7230,42 @@
           <a:chExt cx="0" cy="0"/>
         </a:xfrm>
       </p:grpSpPr>
-      <p:sp>
-        <p:nvSpPr>
-          <p:cNvPr id="2" name="TextBox 1">
-            <a:extLst>
-              <a:ext uri="{FF2B5EF4-FFF2-40B4-BE49-F238E27FC236}">
-                <a16:creationId xmlns:a16="http://schemas.microsoft.com/office/drawing/2014/main" id="{31A3AD54-3F80-476B-BC6C-A5F2839D0339}"/>
+      <p:pic>
+        <p:nvPicPr>
+          <p:cNvPr id="16" name="Picture 15">
+            <a:extLst>
+              <a:ext uri="{FF2B5EF4-FFF2-40B4-BE49-F238E27FC236}">
+                <a16:creationId xmlns:a16="http://schemas.microsoft.com/office/drawing/2014/main" id="{E9C7BB80-8F1E-43AD-86E7-95CDF26DE34B}"/>
+              </a:ext>
+            </a:extLst>
+          </p:cNvPr>
+          <p:cNvPicPr>
+            <a:picLocks noChangeAspect="1"/>
+          </p:cNvPicPr>
+          <p:nvPr/>
+        </p:nvPicPr>
+        <p:blipFill>
+          <a:blip r:embed="rId2"/>
+          <a:stretch>
+            <a:fillRect/>
+          </a:stretch>
+        </p:blipFill>
+        <p:spPr>
+          <a:xfrm>
+            <a:off x="3216343" y="3238473"/>
+            <a:ext cx="5472877" cy="190527"/>
+          </a:xfrm>
+          <a:prstGeom prst="rect">
+            <a:avLst/>
+          </a:prstGeom>
+        </p:spPr>
+      </p:pic>
+      <p:sp>
+        <p:nvSpPr>
+          <p:cNvPr id="17" name="TextBox 16">
+            <a:extLst>
+              <a:ext uri="{FF2B5EF4-FFF2-40B4-BE49-F238E27FC236}">
+                <a16:creationId xmlns:a16="http://schemas.microsoft.com/office/drawing/2014/main" id="{AE75DE26-17FA-424D-81B5-8E8BA31C249E}"/>
               </a:ext>
             </a:extLst>
           </p:cNvPr>
@@ -7131,8 +7274,8 @@
         </p:nvSpPr>
         <p:spPr>
           <a:xfrm>
-            <a:off x="1695750" y="2293079"/>
-            <a:ext cx="8302174" cy="1200329"/>
+            <a:off x="3662439" y="3429000"/>
+            <a:ext cx="527352" cy="523220"/>
           </a:xfrm>
           <a:prstGeom prst="rect">
             <a:avLst/>
@@ -7145,67 +7288,122 @@
           </a:bodyPr>
           <a:lstStyle/>
           <a:p>
-            <a:pPr marL="0" marR="0" algn="ctr">
-              <a:spcBef>
-                <a:spcPts val="0"/>
-              </a:spcBef>
-              <a:spcAft>
-                <a:spcPts val="0"/>
-              </a:spcAft>
-            </a:pPr>
-            <a:r>
-              <a:rPr lang="en-US" sz="2400" dirty="0">
-                <a:effectLst/>
+            <a:pPr algn="ctr"/>
+            <a:r>
+              <a:rPr lang="en-US" sz="2800" dirty="0">
                 <a:latin typeface="Times New Roman" panose="02020603050405020304" pitchFamily="18" charset="0"/>
-                <a:ea typeface="Arial" panose="020B0604020202020204" pitchFamily="34" charset="0"/>
+                <a:cs typeface="Times New Roman" panose="02020603050405020304" pitchFamily="18" charset="0"/>
               </a:rPr>
-              <a:t>At the end of Britney’s birthday party, ¼ of the cake was left over. </a:t>
-            </a:r>
-          </a:p>
-          <a:p>
-            <a:pPr marL="0" marR="0" algn="ctr">
-              <a:spcBef>
-                <a:spcPts val="0"/>
-              </a:spcBef>
-              <a:spcAft>
-                <a:spcPts val="0"/>
-              </a:spcAft>
-            </a:pPr>
-            <a:r>
-              <a:rPr lang="en-US" sz="2400" dirty="0">
-                <a:effectLst/>
+              <a:t>0</a:t>
+            </a:r>
+          </a:p>
+        </p:txBody>
+      </p:sp>
+      <p:sp>
+        <p:nvSpPr>
+          <p:cNvPr id="18" name="TextBox 17">
+            <a:extLst>
+              <a:ext uri="{FF2B5EF4-FFF2-40B4-BE49-F238E27FC236}">
+                <a16:creationId xmlns:a16="http://schemas.microsoft.com/office/drawing/2014/main" id="{313212FE-C978-4AFC-942F-452810D1B56B}"/>
+              </a:ext>
+            </a:extLst>
+          </p:cNvPr>
+          <p:cNvSpPr txBox="1"/>
+          <p:nvPr/>
+        </p:nvSpPr>
+        <p:spPr>
+          <a:xfrm>
+            <a:off x="4559906" y="3429000"/>
+            <a:ext cx="737808" cy="584775"/>
+          </a:xfrm>
+          <a:prstGeom prst="rect">
+            <a:avLst/>
+          </a:prstGeom>
+          <a:noFill/>
+        </p:spPr>
+        <p:txBody>
+          <a:bodyPr wrap="square" rtlCol="0">
+            <a:spAutoFit/>
+          </a:bodyPr>
+          <a:lstStyle/>
+          <a:p>
+            <a:pPr algn="ctr"/>
+            <a:r>
+              <a:rPr lang="en-US" sz="3200" dirty="0">
                 <a:latin typeface="Times New Roman" panose="02020603050405020304" pitchFamily="18" charset="0"/>
-                <a:ea typeface="Arial" panose="020B0604020202020204" pitchFamily="34" charset="0"/>
+                <a:cs typeface="Times New Roman" panose="02020603050405020304" pitchFamily="18" charset="0"/>
               </a:rPr>
-              <a:t>The next day, Britney and two friends evenly shared the left-over </a:t>
-            </a:r>
-          </a:p>
-          <a:p>
-            <a:pPr marL="0" marR="0" algn="ctr">
-              <a:spcBef>
-                <a:spcPts val="0"/>
-              </a:spcBef>
-              <a:spcAft>
-                <a:spcPts val="0"/>
-              </a:spcAft>
-            </a:pPr>
-            <a:r>
-              <a:rPr lang="en-US" sz="2400" dirty="0">
-                <a:effectLst/>
+              <a:t>¼</a:t>
+            </a:r>
+            <a:r>
+              <a:rPr lang="en-US" sz="2800" dirty="0">
                 <a:latin typeface="Times New Roman" panose="02020603050405020304" pitchFamily="18" charset="0"/>
-                <a:ea typeface="Arial" panose="020B0604020202020204" pitchFamily="34" charset="0"/>
+                <a:cs typeface="Times New Roman" panose="02020603050405020304" pitchFamily="18" charset="0"/>
               </a:rPr>
-              <a:t>cake. What fraction of the original cake did each person get?</a:t>
-            </a:r>
-          </a:p>
-        </p:txBody>
-      </p:sp>
-      <p:sp>
-        <p:nvSpPr>
-          <p:cNvPr id="3" name="Rectangle: Rounded Corners 2">
-            <a:extLst>
-              <a:ext uri="{FF2B5EF4-FFF2-40B4-BE49-F238E27FC236}">
-                <a16:creationId xmlns:a16="http://schemas.microsoft.com/office/drawing/2014/main" id="{92CF6B8E-C7F5-438A-946C-35B7D5ACD8AA}"/>
+              <a:t> </a:t>
+            </a:r>
+          </a:p>
+        </p:txBody>
+      </p:sp>
+      <p:sp>
+        <p:nvSpPr>
+          <p:cNvPr id="19" name="TextBox 18">
+            <a:extLst>
+              <a:ext uri="{FF2B5EF4-FFF2-40B4-BE49-F238E27FC236}">
+                <a16:creationId xmlns:a16="http://schemas.microsoft.com/office/drawing/2014/main" id="{3F91AF87-DB6F-4DEA-81F6-C5D9DF26EB94}"/>
+              </a:ext>
+            </a:extLst>
+          </p:cNvPr>
+          <p:cNvSpPr txBox="1"/>
+          <p:nvPr/>
+        </p:nvSpPr>
+        <p:spPr>
+          <a:xfrm>
+            <a:off x="2708838" y="2453643"/>
+            <a:ext cx="6487886" cy="584775"/>
+          </a:xfrm>
+          <a:prstGeom prst="rect">
+            <a:avLst/>
+          </a:prstGeom>
+          <a:noFill/>
+        </p:spPr>
+        <p:txBody>
+          <a:bodyPr wrap="square" rtlCol="0">
+            <a:spAutoFit/>
+          </a:bodyPr>
+          <a:lstStyle/>
+          <a:p>
+            <a:pPr algn="ctr"/>
+            <a:r>
+              <a:rPr lang="en-US" sz="2800" dirty="0">
+                <a:latin typeface="Times New Roman" panose="02020603050405020304" pitchFamily="18" charset="0"/>
+                <a:cs typeface="Times New Roman" panose="02020603050405020304" pitchFamily="18" charset="0"/>
+              </a:rPr>
+              <a:t>Mark where </a:t>
+            </a:r>
+            <a:r>
+              <a:rPr lang="en-US" sz="3200" dirty="0">
+                <a:latin typeface="Times New Roman" panose="02020603050405020304" pitchFamily="18" charset="0"/>
+                <a:cs typeface="Times New Roman" panose="02020603050405020304" pitchFamily="18" charset="0"/>
+              </a:rPr>
+              <a:t>¾</a:t>
+            </a:r>
+            <a:r>
+              <a:rPr lang="en-US" sz="2800" dirty="0">
+                <a:latin typeface="Times New Roman" panose="02020603050405020304" pitchFamily="18" charset="0"/>
+                <a:cs typeface="Times New Roman" panose="02020603050405020304" pitchFamily="18" charset="0"/>
+              </a:rPr>
+              <a:t> is on the number line below.</a:t>
+            </a:r>
+          </a:p>
+        </p:txBody>
+      </p:sp>
+      <p:sp>
+        <p:nvSpPr>
+          <p:cNvPr id="20" name="Rectangle: Rounded Corners 19">
+            <a:extLst>
+              <a:ext uri="{FF2B5EF4-FFF2-40B4-BE49-F238E27FC236}">
+                <a16:creationId xmlns:a16="http://schemas.microsoft.com/office/drawing/2014/main" id="{C60B5BE8-A585-4CDB-966A-67A35558539B}"/>
               </a:ext>
             </a:extLst>
           </p:cNvPr>
@@ -7214,8 +7412,8 @@
         </p:nvSpPr>
         <p:spPr>
           <a:xfrm>
-            <a:off x="1695750" y="2293079"/>
-            <a:ext cx="8302174" cy="1200329"/>
+            <a:off x="2598057" y="2356153"/>
+            <a:ext cx="6686248" cy="1673980"/>
           </a:xfrm>
           <a:prstGeom prst="roundRect">
             <a:avLst/>
@@ -7255,7 +7453,7 @@
     </p:spTree>
     <p:extLst>
       <p:ext uri="{BB962C8B-B14F-4D97-AF65-F5344CB8AC3E}">
-        <p14:creationId xmlns:p14="http://schemas.microsoft.com/office/powerpoint/2010/main" val="3571133009"/>
+        <p14:creationId xmlns:p14="http://schemas.microsoft.com/office/powerpoint/2010/main" val="1218176828"/>
       </p:ext>
     </p:extLst>
   </p:cSld>
@@ -7284,10 +7482,10 @@
       </p:grpSpPr>
       <p:pic>
         <p:nvPicPr>
-          <p:cNvPr id="7" name="Picture 6">
-            <a:extLst>
-              <a:ext uri="{FF2B5EF4-FFF2-40B4-BE49-F238E27FC236}">
-                <a16:creationId xmlns:a16="http://schemas.microsoft.com/office/drawing/2014/main" id="{00000000-0008-0000-1300-000002000000}"/>
+          <p:cNvPr id="16" name="Picture 15">
+            <a:extLst>
+              <a:ext uri="{FF2B5EF4-FFF2-40B4-BE49-F238E27FC236}">
+                <a16:creationId xmlns:a16="http://schemas.microsoft.com/office/drawing/2014/main" id="{E9C7BB80-8F1E-43AD-86E7-95CDF26DE34B}"/>
               </a:ext>
             </a:extLst>
           </p:cNvPr>
@@ -7304,18 +7502,286 @@
         </p:blipFill>
         <p:spPr>
           <a:xfrm>
-            <a:off x="3124200" y="1600200"/>
-            <a:ext cx="5943600" cy="3657600"/>
+            <a:off x="2907695" y="2832231"/>
+            <a:ext cx="5472877" cy="190527"/>
           </a:xfrm>
           <a:prstGeom prst="rect">
             <a:avLst/>
           </a:prstGeom>
         </p:spPr>
       </p:pic>
+      <p:sp>
+        <p:nvSpPr>
+          <p:cNvPr id="17" name="TextBox 16">
+            <a:extLst>
+              <a:ext uri="{FF2B5EF4-FFF2-40B4-BE49-F238E27FC236}">
+                <a16:creationId xmlns:a16="http://schemas.microsoft.com/office/drawing/2014/main" id="{AE75DE26-17FA-424D-81B5-8E8BA31C249E}"/>
+              </a:ext>
+            </a:extLst>
+          </p:cNvPr>
+          <p:cNvSpPr txBox="1"/>
+          <p:nvPr/>
+        </p:nvSpPr>
+        <p:spPr>
+          <a:xfrm>
+            <a:off x="3353791" y="3022758"/>
+            <a:ext cx="527352" cy="523220"/>
+          </a:xfrm>
+          <a:prstGeom prst="rect">
+            <a:avLst/>
+          </a:prstGeom>
+          <a:noFill/>
+        </p:spPr>
+        <p:txBody>
+          <a:bodyPr wrap="square" rtlCol="0">
+            <a:spAutoFit/>
+          </a:bodyPr>
+          <a:lstStyle/>
+          <a:p>
+            <a:pPr algn="ctr"/>
+            <a:r>
+              <a:rPr lang="en-US" sz="2800" dirty="0">
+                <a:latin typeface="Times New Roman" panose="02020603050405020304" pitchFamily="18" charset="0"/>
+                <a:cs typeface="Times New Roman" panose="02020603050405020304" pitchFamily="18" charset="0"/>
+              </a:rPr>
+              <a:t>0</a:t>
+            </a:r>
+          </a:p>
+        </p:txBody>
+      </p:sp>
+      <p:sp>
+        <p:nvSpPr>
+          <p:cNvPr id="18" name="TextBox 17">
+            <a:extLst>
+              <a:ext uri="{FF2B5EF4-FFF2-40B4-BE49-F238E27FC236}">
+                <a16:creationId xmlns:a16="http://schemas.microsoft.com/office/drawing/2014/main" id="{313212FE-C978-4AFC-942F-452810D1B56B}"/>
+              </a:ext>
+            </a:extLst>
+          </p:cNvPr>
+          <p:cNvSpPr txBox="1"/>
+          <p:nvPr/>
+        </p:nvSpPr>
+        <p:spPr>
+          <a:xfrm>
+            <a:off x="4251258" y="3022758"/>
+            <a:ext cx="737808" cy="584775"/>
+          </a:xfrm>
+          <a:prstGeom prst="rect">
+            <a:avLst/>
+          </a:prstGeom>
+          <a:noFill/>
+        </p:spPr>
+        <p:txBody>
+          <a:bodyPr wrap="square" rtlCol="0">
+            <a:spAutoFit/>
+          </a:bodyPr>
+          <a:lstStyle/>
+          <a:p>
+            <a:pPr algn="ctr"/>
+            <a:r>
+              <a:rPr lang="en-US" sz="3200" dirty="0">
+                <a:latin typeface="Times New Roman" panose="02020603050405020304" pitchFamily="18" charset="0"/>
+                <a:cs typeface="Times New Roman" panose="02020603050405020304" pitchFamily="18" charset="0"/>
+              </a:rPr>
+              <a:t>¼</a:t>
+            </a:r>
+            <a:r>
+              <a:rPr lang="en-US" sz="2800" dirty="0">
+                <a:latin typeface="Times New Roman" panose="02020603050405020304" pitchFamily="18" charset="0"/>
+                <a:cs typeface="Times New Roman" panose="02020603050405020304" pitchFamily="18" charset="0"/>
+              </a:rPr>
+              <a:t> </a:t>
+            </a:r>
+          </a:p>
+        </p:txBody>
+      </p:sp>
+      <p:sp>
+        <p:nvSpPr>
+          <p:cNvPr id="20" name="Rectangle: Rounded Corners 19">
+            <a:extLst>
+              <a:ext uri="{FF2B5EF4-FFF2-40B4-BE49-F238E27FC236}">
+                <a16:creationId xmlns:a16="http://schemas.microsoft.com/office/drawing/2014/main" id="{C60B5BE8-A585-4CDB-966A-67A35558539B}"/>
+              </a:ext>
+            </a:extLst>
+          </p:cNvPr>
+          <p:cNvSpPr/>
+          <p:nvPr/>
+        </p:nvSpPr>
+        <p:spPr>
+          <a:xfrm>
+            <a:off x="2007909" y="2356153"/>
+            <a:ext cx="7276396" cy="2017884"/>
+          </a:xfrm>
+          <a:prstGeom prst="roundRect">
+            <a:avLst/>
+          </a:prstGeom>
+          <a:noFill/>
+          <a:ln>
+            <a:solidFill>
+              <a:schemeClr val="tx1"/>
+            </a:solidFill>
+          </a:ln>
+        </p:spPr>
+        <p:style>
+          <a:lnRef idx="2">
+            <a:schemeClr val="accent1">
+              <a:shade val="50000"/>
+            </a:schemeClr>
+          </a:lnRef>
+          <a:fillRef idx="1">
+            <a:schemeClr val="accent1"/>
+          </a:fillRef>
+          <a:effectRef idx="0">
+            <a:schemeClr val="accent1"/>
+          </a:effectRef>
+          <a:fontRef idx="minor">
+            <a:schemeClr val="lt1"/>
+          </a:fontRef>
+        </p:style>
+        <p:txBody>
+          <a:bodyPr rtlCol="0" anchor="ctr"/>
+          <a:lstStyle/>
+          <a:p>
+            <a:pPr algn="ctr"/>
+            <a:endParaRPr lang="en-US"/>
+          </a:p>
+        </p:txBody>
+      </p:sp>
+      <p:sp>
+        <p:nvSpPr>
+          <p:cNvPr id="7" name="TextBox 6">
+            <a:extLst>
+              <a:ext uri="{FF2B5EF4-FFF2-40B4-BE49-F238E27FC236}">
+                <a16:creationId xmlns:a16="http://schemas.microsoft.com/office/drawing/2014/main" id="{C436820C-2C20-BF44-A9FB-9A5E67DA1636}"/>
+              </a:ext>
+            </a:extLst>
+          </p:cNvPr>
+          <p:cNvSpPr txBox="1"/>
+          <p:nvPr/>
+        </p:nvSpPr>
+        <p:spPr>
+          <a:xfrm>
+            <a:off x="6315915" y="3040280"/>
+            <a:ext cx="737808" cy="584775"/>
+          </a:xfrm>
+          <a:prstGeom prst="rect">
+            <a:avLst/>
+          </a:prstGeom>
+          <a:noFill/>
+        </p:spPr>
+        <p:txBody>
+          <a:bodyPr wrap="square" rtlCol="0">
+            <a:spAutoFit/>
+          </a:bodyPr>
+          <a:lstStyle/>
+          <a:p>
+            <a:pPr algn="ctr"/>
+            <a:r>
+              <a:rPr lang="en-US" sz="3200" dirty="0">
+                <a:latin typeface="Times New Roman" panose="02020603050405020304" pitchFamily="18" charset="0"/>
+                <a:cs typeface="Times New Roman" panose="02020603050405020304" pitchFamily="18" charset="0"/>
+              </a:rPr>
+              <a:t>¾ </a:t>
+            </a:r>
+            <a:r>
+              <a:rPr lang="en-US" sz="2800" dirty="0">
+                <a:latin typeface="Times New Roman" panose="02020603050405020304" pitchFamily="18" charset="0"/>
+                <a:cs typeface="Times New Roman" panose="02020603050405020304" pitchFamily="18" charset="0"/>
+              </a:rPr>
+              <a:t> </a:t>
+            </a:r>
+          </a:p>
+        </p:txBody>
+      </p:sp>
+      <p:sp>
+        <p:nvSpPr>
+          <p:cNvPr id="2" name="Rectangle 1">
+            <a:extLst>
+              <a:ext uri="{FF2B5EF4-FFF2-40B4-BE49-F238E27FC236}">
+                <a16:creationId xmlns:a16="http://schemas.microsoft.com/office/drawing/2014/main" id="{568779D3-768E-0940-AF04-C7CCA752CE10}"/>
+              </a:ext>
+            </a:extLst>
+          </p:cNvPr>
+          <p:cNvSpPr/>
+          <p:nvPr/>
+        </p:nvSpPr>
+        <p:spPr>
+          <a:xfrm>
+            <a:off x="6589175" y="2581423"/>
+            <a:ext cx="136747" cy="584775"/>
+          </a:xfrm>
+          <a:prstGeom prst="rect">
+            <a:avLst/>
+          </a:prstGeom>
+        </p:spPr>
+        <p:style>
+          <a:lnRef idx="2">
+            <a:schemeClr val="accent1">
+              <a:shade val="50000"/>
+            </a:schemeClr>
+          </a:lnRef>
+          <a:fillRef idx="1">
+            <a:schemeClr val="accent1"/>
+          </a:fillRef>
+          <a:effectRef idx="0">
+            <a:schemeClr val="accent1"/>
+          </a:effectRef>
+          <a:fontRef idx="minor">
+            <a:schemeClr val="lt1"/>
+          </a:fontRef>
+        </p:style>
+        <p:txBody>
+          <a:bodyPr rtlCol="0" anchor="ctr"/>
+          <a:lstStyle/>
+          <a:p>
+            <a:pPr algn="ctr"/>
+            <a:endParaRPr lang="en-US"/>
+          </a:p>
+        </p:txBody>
+      </p:sp>
+      <p:sp>
+        <p:nvSpPr>
+          <p:cNvPr id="9" name="TextBox 8">
+            <a:extLst>
+              <a:ext uri="{FF2B5EF4-FFF2-40B4-BE49-F238E27FC236}">
+                <a16:creationId xmlns:a16="http://schemas.microsoft.com/office/drawing/2014/main" id="{42451CCC-30DD-BF4F-AB6E-05A982556AA7}"/>
+              </a:ext>
+            </a:extLst>
+          </p:cNvPr>
+          <p:cNvSpPr txBox="1"/>
+          <p:nvPr/>
+        </p:nvSpPr>
+        <p:spPr>
+          <a:xfrm>
+            <a:off x="1523751" y="3539285"/>
+            <a:ext cx="8333792" cy="461665"/>
+          </a:xfrm>
+          <a:prstGeom prst="rect">
+            <a:avLst/>
+          </a:prstGeom>
+          <a:noFill/>
+        </p:spPr>
+        <p:txBody>
+          <a:bodyPr wrap="square" rtlCol="0">
+            <a:spAutoFit/>
+          </a:bodyPr>
+          <a:lstStyle/>
+          <a:p>
+            <a:pPr algn="ctr"/>
+            <a:r>
+              <a:rPr lang="en-US" sz="2400" dirty="0">
+                <a:latin typeface="Times New Roman" panose="02020603050405020304" pitchFamily="18" charset="0"/>
+                <a:cs typeface="Times New Roman" panose="02020603050405020304" pitchFamily="18" charset="0"/>
+              </a:rPr>
+              <a:t>About 22% of students are expected to get this item right.</a:t>
+            </a:r>
+          </a:p>
+        </p:txBody>
+      </p:sp>
     </p:spTree>
     <p:extLst>
       <p:ext uri="{BB962C8B-B14F-4D97-AF65-F5344CB8AC3E}">
-        <p14:creationId xmlns:p14="http://schemas.microsoft.com/office/powerpoint/2010/main" val="2564600346"/>
+        <p14:creationId xmlns:p14="http://schemas.microsoft.com/office/powerpoint/2010/main" val="4150520853"/>
       </p:ext>
     </p:extLst>
   </p:cSld>
@@ -7342,40 +7808,162 @@
           <a:chExt cx="0" cy="0"/>
         </a:xfrm>
       </p:grpSpPr>
-      <p:pic>
-        <p:nvPicPr>
-          <p:cNvPr id="3" name="Picture 2">
-            <a:extLst>
-              <a:ext uri="{FF2B5EF4-FFF2-40B4-BE49-F238E27FC236}">
-                <a16:creationId xmlns:a16="http://schemas.microsoft.com/office/drawing/2014/main" id="{00000000-0008-0000-1400-000002000000}"/>
-              </a:ext>
-            </a:extLst>
-          </p:cNvPr>
-          <p:cNvPicPr>
-            <a:picLocks noChangeAspect="1"/>
-          </p:cNvPicPr>
-          <p:nvPr/>
-        </p:nvPicPr>
-        <p:blipFill>
-          <a:blip r:embed="rId2"/>
-          <a:stretch>
-            <a:fillRect/>
-          </a:stretch>
-        </p:blipFill>
-        <p:spPr>
-          <a:xfrm>
-            <a:off x="3124200" y="1600200"/>
-            <a:ext cx="5943600" cy="3657600"/>
+      <p:sp>
+        <p:nvSpPr>
+          <p:cNvPr id="2" name="TextBox 1">
+            <a:extLst>
+              <a:ext uri="{FF2B5EF4-FFF2-40B4-BE49-F238E27FC236}">
+                <a16:creationId xmlns:a16="http://schemas.microsoft.com/office/drawing/2014/main" id="{F011963F-C554-4D57-9E86-6A115A58C8BF}"/>
+              </a:ext>
+            </a:extLst>
+          </p:cNvPr>
+          <p:cNvSpPr txBox="1"/>
+          <p:nvPr/>
+        </p:nvSpPr>
+        <p:spPr>
+          <a:xfrm>
+            <a:off x="1843746" y="1851436"/>
+            <a:ext cx="8504507" cy="2308324"/>
           </a:xfrm>
           <a:prstGeom prst="rect">
             <a:avLst/>
           </a:prstGeom>
-        </p:spPr>
-      </p:pic>
+          <a:noFill/>
+        </p:spPr>
+        <p:txBody>
+          <a:bodyPr wrap="square" rtlCol="0">
+            <a:spAutoFit/>
+          </a:bodyPr>
+          <a:lstStyle/>
+          <a:p>
+            <a:pPr marL="0" marR="0" algn="ctr">
+              <a:spcBef>
+                <a:spcPts val="0"/>
+              </a:spcBef>
+              <a:spcAft>
+                <a:spcPts val="0"/>
+              </a:spcAft>
+            </a:pPr>
+            <a:r>
+              <a:rPr lang="en-US" sz="2400" dirty="0">
+                <a:effectLst/>
+                <a:latin typeface="Times New Roman" panose="02020603050405020304" pitchFamily="18" charset="0"/>
+                <a:ea typeface="Arial" panose="020B0604020202020204" pitchFamily="34" charset="0"/>
+              </a:rPr>
+              <a:t>Jamie usually makes punch by mixing 2 cups of orange juice with</a:t>
+            </a:r>
+          </a:p>
+          <a:p>
+            <a:pPr marL="0" marR="0" algn="ctr">
+              <a:spcBef>
+                <a:spcPts val="0"/>
+              </a:spcBef>
+              <a:spcAft>
+                <a:spcPts val="0"/>
+              </a:spcAft>
+            </a:pPr>
+            <a:r>
+              <a:rPr lang="en-US" sz="2400" dirty="0">
+                <a:effectLst/>
+                <a:latin typeface="Times New Roman" panose="02020603050405020304" pitchFamily="18" charset="0"/>
+                <a:ea typeface="Arial" panose="020B0604020202020204" pitchFamily="34" charset="0"/>
+              </a:rPr>
+              <a:t> 3 cups of pineapple juice. This time, she wants it to have a stronger orange flavor. Which of the following ratios of orange juice to </a:t>
+            </a:r>
+          </a:p>
+          <a:p>
+            <a:pPr marL="0" marR="0" algn="ctr">
+              <a:spcBef>
+                <a:spcPts val="0"/>
+              </a:spcBef>
+              <a:spcAft>
+                <a:spcPts val="0"/>
+              </a:spcAft>
+            </a:pPr>
+            <a:r>
+              <a:rPr lang="en-US" sz="2400" dirty="0">
+                <a:effectLst/>
+                <a:latin typeface="Times New Roman" panose="02020603050405020304" pitchFamily="18" charset="0"/>
+                <a:ea typeface="Arial" panose="020B0604020202020204" pitchFamily="34" charset="0"/>
+              </a:rPr>
+              <a:t>pineapple juice could she use?</a:t>
+            </a:r>
+          </a:p>
+          <a:p>
+            <a:pPr algn="ctr"/>
+            <a:endParaRPr lang="en-US" sz="2400" dirty="0">
+              <a:latin typeface="Times New Roman" panose="02020603050405020304" pitchFamily="18" charset="0"/>
+              <a:cs typeface="Times New Roman" panose="02020603050405020304" pitchFamily="18" charset="0"/>
+            </a:endParaRPr>
+          </a:p>
+          <a:p>
+            <a:pPr algn="ctr"/>
+            <a:r>
+              <a:rPr lang="en-US" sz="2400" dirty="0">
+                <a:latin typeface="Times New Roman" panose="02020603050405020304" pitchFamily="18" charset="0"/>
+                <a:cs typeface="Times New Roman" panose="02020603050405020304" pitchFamily="18" charset="0"/>
+              </a:rPr>
+              <a:t>A) 4:6		B) 2:4		C) 4:3</a:t>
+            </a:r>
+          </a:p>
+        </p:txBody>
+      </p:sp>
+      <p:sp>
+        <p:nvSpPr>
+          <p:cNvPr id="3" name="Rectangle: Rounded Corners 2">
+            <a:extLst>
+              <a:ext uri="{FF2B5EF4-FFF2-40B4-BE49-F238E27FC236}">
+                <a16:creationId xmlns:a16="http://schemas.microsoft.com/office/drawing/2014/main" id="{5FE29E4C-E918-437B-98DC-EA40B4996C41}"/>
+              </a:ext>
+            </a:extLst>
+          </p:cNvPr>
+          <p:cNvSpPr/>
+          <p:nvPr/>
+        </p:nvSpPr>
+        <p:spPr>
+          <a:xfrm>
+            <a:off x="1940767" y="1782146"/>
+            <a:ext cx="8407486" cy="2377613"/>
+          </a:xfrm>
+          <a:prstGeom prst="roundRect">
+            <a:avLst/>
+          </a:prstGeom>
+          <a:noFill/>
+          <a:ln>
+            <a:solidFill>
+              <a:schemeClr val="tx1"/>
+            </a:solidFill>
+          </a:ln>
+        </p:spPr>
+        <p:style>
+          <a:lnRef idx="2">
+            <a:schemeClr val="accent1">
+              <a:shade val="50000"/>
+            </a:schemeClr>
+          </a:lnRef>
+          <a:fillRef idx="1">
+            <a:schemeClr val="accent1"/>
+          </a:fillRef>
+          <a:effectRef idx="0">
+            <a:schemeClr val="accent1"/>
+          </a:effectRef>
+          <a:fontRef idx="minor">
+            <a:schemeClr val="lt1"/>
+          </a:fontRef>
+        </p:style>
+        <p:txBody>
+          <a:bodyPr rtlCol="0" anchor="ctr"/>
+          <a:lstStyle/>
+          <a:p>
+            <a:pPr algn="ctr"/>
+            <a:endParaRPr lang="en-US"/>
+          </a:p>
+        </p:txBody>
+      </p:sp>
     </p:spTree>
     <p:extLst>
       <p:ext uri="{BB962C8B-B14F-4D97-AF65-F5344CB8AC3E}">
-        <p14:creationId xmlns:p14="http://schemas.microsoft.com/office/powerpoint/2010/main" val="4012583916"/>
+        <p14:creationId xmlns:p14="http://schemas.microsoft.com/office/powerpoint/2010/main" val="1060031296"/>
       </p:ext>
     </p:extLst>
   </p:cSld>
@@ -7402,40 +7990,148 @@
           <a:chExt cx="0" cy="0"/>
         </a:xfrm>
       </p:grpSpPr>
-      <p:pic>
-        <p:nvPicPr>
-          <p:cNvPr id="2" name="Picture 1">
-            <a:extLst>
-              <a:ext uri="{FF2B5EF4-FFF2-40B4-BE49-F238E27FC236}">
-                <a16:creationId xmlns:a16="http://schemas.microsoft.com/office/drawing/2014/main" id="{00000000-0008-0000-1400-000002000000}"/>
-              </a:ext>
-            </a:extLst>
-          </p:cNvPr>
-          <p:cNvPicPr>
-            <a:picLocks noChangeAspect="1"/>
-          </p:cNvPicPr>
-          <p:nvPr/>
-        </p:nvPicPr>
-        <p:blipFill>
-          <a:blip r:embed="rId2"/>
-          <a:stretch>
-            <a:fillRect/>
-          </a:stretch>
-        </p:blipFill>
-        <p:spPr>
-          <a:xfrm>
-            <a:off x="3124200" y="457200"/>
-            <a:ext cx="5943600" cy="5943600"/>
+      <p:sp>
+        <p:nvSpPr>
+          <p:cNvPr id="2" name="TextBox 1">
+            <a:extLst>
+              <a:ext uri="{FF2B5EF4-FFF2-40B4-BE49-F238E27FC236}">
+                <a16:creationId xmlns:a16="http://schemas.microsoft.com/office/drawing/2014/main" id="{31A3AD54-3F80-476B-BC6C-A5F2839D0339}"/>
+              </a:ext>
+            </a:extLst>
+          </p:cNvPr>
+          <p:cNvSpPr txBox="1"/>
+          <p:nvPr/>
+        </p:nvSpPr>
+        <p:spPr>
+          <a:xfrm>
+            <a:off x="1695750" y="2293079"/>
+            <a:ext cx="7278568" cy="461665"/>
           </a:xfrm>
           <a:prstGeom prst="rect">
             <a:avLst/>
           </a:prstGeom>
-        </p:spPr>
-      </p:pic>
+          <a:noFill/>
+        </p:spPr>
+        <p:txBody>
+          <a:bodyPr wrap="square" rtlCol="0">
+            <a:spAutoFit/>
+          </a:bodyPr>
+          <a:lstStyle/>
+          <a:p>
+            <a:pPr marL="0" marR="0" algn="ctr">
+              <a:spcBef>
+                <a:spcPts val="0"/>
+              </a:spcBef>
+              <a:spcAft>
+                <a:spcPts val="0"/>
+              </a:spcAft>
+            </a:pPr>
+            <a:r>
+              <a:rPr lang="en-US" sz="2400" dirty="0">
+                <a:effectLst/>
+                <a:latin typeface="Times New Roman" panose="02020603050405020304" pitchFamily="18" charset="0"/>
+                <a:ea typeface="Arial" panose="020B0604020202020204" pitchFamily="34" charset="0"/>
+              </a:rPr>
+              <a:t>Each friend got (¼)/3 = 1/12 of the cake. </a:t>
+            </a:r>
+          </a:p>
+        </p:txBody>
+      </p:sp>
+      <p:sp>
+        <p:nvSpPr>
+          <p:cNvPr id="3" name="Rectangle: Rounded Corners 2">
+            <a:extLst>
+              <a:ext uri="{FF2B5EF4-FFF2-40B4-BE49-F238E27FC236}">
+                <a16:creationId xmlns:a16="http://schemas.microsoft.com/office/drawing/2014/main" id="{92CF6B8E-C7F5-438A-946C-35B7D5ACD8AA}"/>
+              </a:ext>
+            </a:extLst>
+          </p:cNvPr>
+          <p:cNvSpPr/>
+          <p:nvPr/>
+        </p:nvSpPr>
+        <p:spPr>
+          <a:xfrm>
+            <a:off x="1695750" y="2293079"/>
+            <a:ext cx="7278568" cy="1260826"/>
+          </a:xfrm>
+          <a:prstGeom prst="roundRect">
+            <a:avLst/>
+          </a:prstGeom>
+          <a:noFill/>
+          <a:ln>
+            <a:solidFill>
+              <a:schemeClr val="tx1"/>
+            </a:solidFill>
+          </a:ln>
+        </p:spPr>
+        <p:style>
+          <a:lnRef idx="2">
+            <a:schemeClr val="accent1">
+              <a:shade val="50000"/>
+            </a:schemeClr>
+          </a:lnRef>
+          <a:fillRef idx="1">
+            <a:schemeClr val="accent1"/>
+          </a:fillRef>
+          <a:effectRef idx="0">
+            <a:schemeClr val="accent1"/>
+          </a:effectRef>
+          <a:fontRef idx="minor">
+            <a:schemeClr val="lt1"/>
+          </a:fontRef>
+        </p:style>
+        <p:txBody>
+          <a:bodyPr rtlCol="0" anchor="ctr"/>
+          <a:lstStyle/>
+          <a:p>
+            <a:pPr algn="ctr"/>
+            <a:endParaRPr lang="en-US"/>
+          </a:p>
+        </p:txBody>
+      </p:sp>
+      <p:sp>
+        <p:nvSpPr>
+          <p:cNvPr id="4" name="TextBox 3">
+            <a:extLst>
+              <a:ext uri="{FF2B5EF4-FFF2-40B4-BE49-F238E27FC236}">
+                <a16:creationId xmlns:a16="http://schemas.microsoft.com/office/drawing/2014/main" id="{AE12BA35-1226-9C4B-A734-EFBDBBC9A4C7}"/>
+              </a:ext>
+            </a:extLst>
+          </p:cNvPr>
+          <p:cNvSpPr txBox="1"/>
+          <p:nvPr/>
+        </p:nvSpPr>
+        <p:spPr>
+          <a:xfrm>
+            <a:off x="1168138" y="2967335"/>
+            <a:ext cx="8333792" cy="461665"/>
+          </a:xfrm>
+          <a:prstGeom prst="rect">
+            <a:avLst/>
+          </a:prstGeom>
+          <a:noFill/>
+        </p:spPr>
+        <p:txBody>
+          <a:bodyPr wrap="square" rtlCol="0">
+            <a:spAutoFit/>
+          </a:bodyPr>
+          <a:lstStyle/>
+          <a:p>
+            <a:pPr algn="ctr"/>
+            <a:r>
+              <a:rPr lang="en-US" sz="2400" dirty="0">
+                <a:latin typeface="Times New Roman" panose="02020603050405020304" pitchFamily="18" charset="0"/>
+                <a:cs typeface="Times New Roman" panose="02020603050405020304" pitchFamily="18" charset="0"/>
+              </a:rPr>
+              <a:t>About 15% of students are expected to get this item right.</a:t>
+            </a:r>
+          </a:p>
+        </p:txBody>
+      </p:sp>
     </p:spTree>
     <p:extLst>
       <p:ext uri="{BB962C8B-B14F-4D97-AF65-F5344CB8AC3E}">
-        <p14:creationId xmlns:p14="http://schemas.microsoft.com/office/powerpoint/2010/main" val="2324870896"/>
+        <p14:creationId xmlns:p14="http://schemas.microsoft.com/office/powerpoint/2010/main" val="3571133009"/>
       </p:ext>
     </p:extLst>
   </p:cSld>
